--- a/slides/06-induction.pptx
+++ b/slides/06-induction.pptx
@@ -221,7 +221,7 @@
           <a:p>
             <a:fld id="{3CBB8A52-8AC5-C74C-97FB-632C448F3674}" type="datetimeFigureOut">
               <a:rPr lang="en-US" smtClean="0"/>
-              <a:t>1/29/24</a:t>
+              <a:t>2/6/24</a:t>
             </a:fld>
             <a:endParaRPr lang="en-US"/>
           </a:p>
@@ -2901,7 +2901,7 @@
             <a:fld id="{5586B75A-687E-405C-8A0B-8D00578BA2C3}" type="datetimeFigureOut">
               <a:rPr lang="en-US" smtClean="0"/>
               <a:pPr/>
-              <a:t>1/29/24</a:t>
+              <a:t>2/6/24</a:t>
             </a:fld>
             <a:endParaRPr lang="en-US" dirty="0"/>
           </a:p>
@@ -3073,7 +3073,7 @@
             <a:fld id="{5586B75A-687E-405C-8A0B-8D00578BA2C3}" type="datetimeFigureOut">
               <a:rPr lang="en-US" smtClean="0"/>
               <a:pPr/>
-              <a:t>1/29/24</a:t>
+              <a:t>2/6/24</a:t>
             </a:fld>
             <a:endParaRPr lang="en-US" dirty="0"/>
           </a:p>
@@ -3255,7 +3255,7 @@
             <a:fld id="{5586B75A-687E-405C-8A0B-8D00578BA2C3}" type="datetimeFigureOut">
               <a:rPr lang="en-US" smtClean="0"/>
               <a:pPr/>
-              <a:t>1/29/24</a:t>
+              <a:t>2/6/24</a:t>
             </a:fld>
             <a:endParaRPr lang="en-US" dirty="0"/>
           </a:p>
@@ -3427,7 +3427,7 @@
             <a:fld id="{5586B75A-687E-405C-8A0B-8D00578BA2C3}" type="datetimeFigureOut">
               <a:rPr lang="en-US" smtClean="0"/>
               <a:pPr/>
-              <a:t>1/29/24</a:t>
+              <a:t>2/6/24</a:t>
             </a:fld>
             <a:endParaRPr lang="en-US" dirty="0"/>
           </a:p>
@@ -3683,7 +3683,7 @@
             <a:fld id="{5586B75A-687E-405C-8A0B-8D00578BA2C3}" type="datetimeFigureOut">
               <a:rPr lang="en-US" smtClean="0"/>
               <a:pPr/>
-              <a:t>1/29/24</a:t>
+              <a:t>2/6/24</a:t>
             </a:fld>
             <a:endParaRPr lang="en-US" dirty="0"/>
           </a:p>
@@ -3973,7 +3973,7 @@
             <a:fld id="{5586B75A-687E-405C-8A0B-8D00578BA2C3}" type="datetimeFigureOut">
               <a:rPr lang="en-US" smtClean="0"/>
               <a:pPr/>
-              <a:t>1/29/24</a:t>
+              <a:t>2/6/24</a:t>
             </a:fld>
             <a:endParaRPr lang="en-US" dirty="0"/>
           </a:p>
@@ -4417,7 +4417,7 @@
             <a:fld id="{5586B75A-687E-405C-8A0B-8D00578BA2C3}" type="datetimeFigureOut">
               <a:rPr lang="en-US" smtClean="0"/>
               <a:pPr/>
-              <a:t>1/29/24</a:t>
+              <a:t>2/6/24</a:t>
             </a:fld>
             <a:endParaRPr lang="en-US" dirty="0"/>
           </a:p>
@@ -4537,7 +4537,7 @@
             <a:fld id="{5586B75A-687E-405C-8A0B-8D00578BA2C3}" type="datetimeFigureOut">
               <a:rPr lang="en-US" smtClean="0"/>
               <a:pPr/>
-              <a:t>1/29/24</a:t>
+              <a:t>2/6/24</a:t>
             </a:fld>
             <a:endParaRPr lang="en-US" dirty="0"/>
           </a:p>
@@ -4634,7 +4634,7 @@
             <a:fld id="{5586B75A-687E-405C-8A0B-8D00578BA2C3}" type="datetimeFigureOut">
               <a:rPr lang="en-US" smtClean="0"/>
               <a:pPr/>
-              <a:t>1/29/24</a:t>
+              <a:t>2/6/24</a:t>
             </a:fld>
             <a:endParaRPr lang="en-US" dirty="0"/>
           </a:p>
@@ -4924,7 +4924,7 @@
             <a:fld id="{5586B75A-687E-405C-8A0B-8D00578BA2C3}" type="datetimeFigureOut">
               <a:rPr lang="en-US" smtClean="0"/>
               <a:pPr/>
-              <a:t>1/29/24</a:t>
+              <a:t>2/6/24</a:t>
             </a:fld>
             <a:endParaRPr lang="en-US" dirty="0"/>
           </a:p>
@@ -5199,7 +5199,7 @@
             <a:fld id="{5586B75A-687E-405C-8A0B-8D00578BA2C3}" type="datetimeFigureOut">
               <a:rPr lang="en-US" smtClean="0"/>
               <a:pPr/>
-              <a:t>1/29/24</a:t>
+              <a:t>2/6/24</a:t>
             </a:fld>
             <a:endParaRPr lang="en-US" dirty="0"/>
           </a:p>
@@ -5498,7 +5498,7 @@
             <a:fld id="{5586B75A-687E-405C-8A0B-8D00578BA2C3}" type="datetimeFigureOut">
               <a:rPr lang="en-US" smtClean="0"/>
               <a:pPr/>
-              <a:t>1/29/24</a:t>
+              <a:t>2/6/24</a:t>
             </a:fld>
             <a:endParaRPr lang="en-US" dirty="0"/>
           </a:p>
@@ -6097,8 +6097,8 @@
           </a:p>
         </p:txBody>
       </p:sp>
-      <mc:AlternateContent xmlns:mc="http://schemas.openxmlformats.org/markup-compatibility/2006">
-        <mc:Choice xmlns:a14="http://schemas.microsoft.com/office/drawing/2010/main" Requires="a14">
+      <mc:AlternateContent xmlns:mc="http://schemas.openxmlformats.org/markup-compatibility/2006" xmlns:a14="http://schemas.microsoft.com/office/drawing/2010/main">
+        <mc:Choice Requires="a14">
           <p:sp>
             <p:nvSpPr>
               <p:cNvPr id="6" name="Content Placeholder 2">
@@ -6410,7 +6410,7 @@
             </p:txBody>
           </p:sp>
         </mc:Choice>
-        <mc:Fallback>
+        <mc:Fallback xmlns="">
           <p:sp>
             <p:nvSpPr>
               <p:cNvPr id="6" name="Content Placeholder 2">
@@ -6506,8 +6506,8 @@
           </a:p>
         </p:txBody>
       </p:sp>
-      <mc:AlternateContent xmlns:mc="http://schemas.openxmlformats.org/markup-compatibility/2006">
-        <mc:Choice xmlns:a14="http://schemas.microsoft.com/office/drawing/2010/main" Requires="a14">
+      <mc:AlternateContent xmlns:mc="http://schemas.openxmlformats.org/markup-compatibility/2006" xmlns:a14="http://schemas.microsoft.com/office/drawing/2010/main">
+        <mc:Choice Requires="a14">
           <p:sp>
             <p:nvSpPr>
               <p:cNvPr id="6" name="Content Placeholder 2">
@@ -6764,7 +6764,7 @@
             </p:txBody>
           </p:sp>
         </mc:Choice>
-        <mc:Fallback>
+        <mc:Fallback xmlns="">
           <p:sp>
             <p:nvSpPr>
               <p:cNvPr id="6" name="Content Placeholder 2">
@@ -7018,8 +7018,8 @@
           </a:p>
         </p:txBody>
       </p:sp>
-      <mc:AlternateContent xmlns:mc="http://schemas.openxmlformats.org/markup-compatibility/2006">
-        <mc:Choice xmlns:a14="http://schemas.microsoft.com/office/drawing/2010/main" Requires="a14">
+      <mc:AlternateContent xmlns:mc="http://schemas.openxmlformats.org/markup-compatibility/2006" xmlns:a14="http://schemas.microsoft.com/office/drawing/2010/main">
+        <mc:Choice Requires="a14">
           <p:sp>
             <p:nvSpPr>
               <p:cNvPr id="6" name="Content Placeholder 2">
@@ -7301,7 +7301,7 @@
             </p:txBody>
           </p:sp>
         </mc:Choice>
-        <mc:Fallback>
+        <mc:Fallback xmlns="">
           <p:sp>
             <p:nvSpPr>
               <p:cNvPr id="6" name="Content Placeholder 2">
@@ -7397,8 +7397,8 @@
           </a:p>
         </p:txBody>
       </p:sp>
-      <mc:AlternateContent xmlns:mc="http://schemas.openxmlformats.org/markup-compatibility/2006">
-        <mc:Choice xmlns:a14="http://schemas.microsoft.com/office/drawing/2010/main" Requires="a14">
+      <mc:AlternateContent xmlns:mc="http://schemas.openxmlformats.org/markup-compatibility/2006" xmlns:a14="http://schemas.microsoft.com/office/drawing/2010/main">
+        <mc:Choice Requires="a14">
           <p:sp>
             <p:nvSpPr>
               <p:cNvPr id="6" name="Content Placeholder 2">
@@ -7761,7 +7761,7 @@
             </p:txBody>
           </p:sp>
         </mc:Choice>
-        <mc:Fallback>
+        <mc:Fallback xmlns="">
           <p:sp>
             <p:nvSpPr>
               <p:cNvPr id="6" name="Content Placeholder 2">
@@ -7857,8 +7857,8 @@
           </a:p>
         </p:txBody>
       </p:sp>
-      <mc:AlternateContent xmlns:mc="http://schemas.openxmlformats.org/markup-compatibility/2006">
-        <mc:Choice xmlns:a14="http://schemas.microsoft.com/office/drawing/2010/main" Requires="a14">
+      <mc:AlternateContent xmlns:mc="http://schemas.openxmlformats.org/markup-compatibility/2006" xmlns:a14="http://schemas.microsoft.com/office/drawing/2010/main">
+        <mc:Choice Requires="a14">
           <p:sp>
             <p:nvSpPr>
               <p:cNvPr id="6" name="Content Placeholder 2">
@@ -8046,7 +8046,7 @@
             </p:txBody>
           </p:sp>
         </mc:Choice>
-        <mc:Fallback>
+        <mc:Fallback xmlns="">
           <p:sp>
             <p:nvSpPr>
               <p:cNvPr id="6" name="Content Placeholder 2">
@@ -8142,8 +8142,8 @@
           </a:p>
         </p:txBody>
       </p:sp>
-      <mc:AlternateContent xmlns:mc="http://schemas.openxmlformats.org/markup-compatibility/2006">
-        <mc:Choice xmlns:a14="http://schemas.microsoft.com/office/drawing/2010/main" Requires="a14">
+      <mc:AlternateContent xmlns:mc="http://schemas.openxmlformats.org/markup-compatibility/2006" xmlns:a14="http://schemas.microsoft.com/office/drawing/2010/main">
+        <mc:Choice Requires="a14">
           <p:sp>
             <p:nvSpPr>
               <p:cNvPr id="6" name="Content Placeholder 2">
@@ -8356,7 +8356,7 @@
             </p:txBody>
           </p:sp>
         </mc:Choice>
-        <mc:Fallback>
+        <mc:Fallback xmlns="">
           <p:sp>
             <p:nvSpPr>
               <p:cNvPr id="6" name="Content Placeholder 2">
@@ -8452,8 +8452,8 @@
           </a:p>
         </p:txBody>
       </p:sp>
-      <mc:AlternateContent xmlns:mc="http://schemas.openxmlformats.org/markup-compatibility/2006">
-        <mc:Choice xmlns:a14="http://schemas.microsoft.com/office/drawing/2010/main" Requires="a14">
+      <mc:AlternateContent xmlns:mc="http://schemas.openxmlformats.org/markup-compatibility/2006" xmlns:a14="http://schemas.microsoft.com/office/drawing/2010/main">
+        <mc:Choice Requires="a14">
           <p:sp>
             <p:nvSpPr>
               <p:cNvPr id="6" name="Content Placeholder 2">
@@ -8699,7 +8699,7 @@
             </p:txBody>
           </p:sp>
         </mc:Choice>
-        <mc:Fallback>
+        <mc:Fallback xmlns="">
           <p:sp>
             <p:nvSpPr>
               <p:cNvPr id="6" name="Content Placeholder 2">
@@ -8877,8 +8877,8 @@
           </a:p>
         </p:txBody>
       </p:sp>
-      <mc:AlternateContent xmlns:mc="http://schemas.openxmlformats.org/markup-compatibility/2006">
-        <mc:Choice xmlns:a14="http://schemas.microsoft.com/office/drawing/2010/main" Requires="a14">
+      <mc:AlternateContent xmlns:mc="http://schemas.openxmlformats.org/markup-compatibility/2006" xmlns:a14="http://schemas.microsoft.com/office/drawing/2010/main">
+        <mc:Choice Requires="a14">
           <p:sp>
             <p:nvSpPr>
               <p:cNvPr id="6" name="Content Placeholder 2">
@@ -9151,7 +9151,7 @@
             </p:txBody>
           </p:sp>
         </mc:Choice>
-        <mc:Fallback>
+        <mc:Fallback xmlns="">
           <p:sp>
             <p:nvSpPr>
               <p:cNvPr id="6" name="Content Placeholder 2">
@@ -9247,8 +9247,8 @@
           </a:p>
         </p:txBody>
       </p:sp>
-      <mc:AlternateContent xmlns:mc="http://schemas.openxmlformats.org/markup-compatibility/2006">
-        <mc:Choice xmlns:a14="http://schemas.microsoft.com/office/drawing/2010/main" Requires="a14">
+      <mc:AlternateContent xmlns:mc="http://schemas.openxmlformats.org/markup-compatibility/2006" xmlns:a14="http://schemas.microsoft.com/office/drawing/2010/main">
+        <mc:Choice Requires="a14">
           <p:sp>
             <p:nvSpPr>
               <p:cNvPr id="6" name="Content Placeholder 2">
@@ -9753,7 +9753,7 @@
             </p:txBody>
           </p:sp>
         </mc:Choice>
-        <mc:Fallback>
+        <mc:Fallback xmlns="">
           <p:sp>
             <p:nvSpPr>
               <p:cNvPr id="6" name="Content Placeholder 2">
@@ -9937,8 +9937,8 @@
           </a:p>
         </p:txBody>
       </p:sp>
-      <mc:AlternateContent xmlns:mc="http://schemas.openxmlformats.org/markup-compatibility/2006">
-        <mc:Choice xmlns:a14="http://schemas.microsoft.com/office/drawing/2010/main" Requires="a14">
+      <mc:AlternateContent xmlns:mc="http://schemas.openxmlformats.org/markup-compatibility/2006" xmlns:a14="http://schemas.microsoft.com/office/drawing/2010/main">
+        <mc:Choice Requires="a14">
           <p:sp>
             <p:nvSpPr>
               <p:cNvPr id="6" name="Content Placeholder 2">
@@ -10443,7 +10443,7 @@
             </p:txBody>
           </p:sp>
         </mc:Choice>
-        <mc:Fallback>
+        <mc:Fallback xmlns="">
           <p:sp>
             <p:nvSpPr>
               <p:cNvPr id="6" name="Content Placeholder 2">
@@ -10645,8 +10645,8 @@
           </a:p>
         </p:txBody>
       </p:sp>
-      <mc:AlternateContent xmlns:mc="http://schemas.openxmlformats.org/markup-compatibility/2006">
-        <mc:Choice xmlns:a14="http://schemas.microsoft.com/office/drawing/2010/main" Requires="a14">
+      <mc:AlternateContent xmlns:mc="http://schemas.openxmlformats.org/markup-compatibility/2006" xmlns:a14="http://schemas.microsoft.com/office/drawing/2010/main">
+        <mc:Choice Requires="a14">
           <p:sp>
             <p:nvSpPr>
               <p:cNvPr id="6" name="Content Placeholder 2">
@@ -11118,7 +11118,7 @@
             </p:txBody>
           </p:sp>
         </mc:Choice>
-        <mc:Fallback>
+        <mc:Fallback xmlns="">
           <p:sp>
             <p:nvSpPr>
               <p:cNvPr id="6" name="Content Placeholder 2">
@@ -11214,8 +11214,8 @@
           </a:p>
         </p:txBody>
       </p:sp>
-      <mc:AlternateContent xmlns:mc="http://schemas.openxmlformats.org/markup-compatibility/2006">
-        <mc:Choice xmlns:a14="http://schemas.microsoft.com/office/drawing/2010/main" Requires="a14">
+      <mc:AlternateContent xmlns:mc="http://schemas.openxmlformats.org/markup-compatibility/2006" xmlns:a14="http://schemas.microsoft.com/office/drawing/2010/main">
+        <mc:Choice Requires="a14">
           <p:sp>
             <p:nvSpPr>
               <p:cNvPr id="6" name="Content Placeholder 2">
@@ -11687,7 +11687,7 @@
             </p:txBody>
           </p:sp>
         </mc:Choice>
-        <mc:Fallback>
+        <mc:Fallback xmlns="">
           <p:sp>
             <p:nvSpPr>
               <p:cNvPr id="6" name="Content Placeholder 2">
@@ -11731,8 +11731,8 @@
           </p:sp>
         </mc:Fallback>
       </mc:AlternateContent>
-      <mc:AlternateContent xmlns:mc="http://schemas.openxmlformats.org/markup-compatibility/2006">
-        <mc:Choice xmlns:a14="http://schemas.microsoft.com/office/drawing/2010/main" Requires="a14">
+      <mc:AlternateContent xmlns:mc="http://schemas.openxmlformats.org/markup-compatibility/2006" xmlns:a14="http://schemas.microsoft.com/office/drawing/2010/main">
+        <mc:Choice Requires="a14">
           <p:sp>
             <p:nvSpPr>
               <p:cNvPr id="3" name="Rounded Rectangle 2">
@@ -11881,7 +11881,7 @@
             </p:txBody>
           </p:sp>
         </mc:Choice>
-        <mc:Fallback>
+        <mc:Fallback xmlns="">
           <p:sp>
             <p:nvSpPr>
               <p:cNvPr id="3" name="Rounded Rectangle 2">
@@ -11978,8 +11978,8 @@
           </a:p>
         </p:txBody>
       </p:sp>
-      <mc:AlternateContent xmlns:mc="http://schemas.openxmlformats.org/markup-compatibility/2006">
-        <mc:Choice xmlns:a14="http://schemas.microsoft.com/office/drawing/2010/main" Requires="a14">
+      <mc:AlternateContent xmlns:mc="http://schemas.openxmlformats.org/markup-compatibility/2006" xmlns:a14="http://schemas.microsoft.com/office/drawing/2010/main">
+        <mc:Choice Requires="a14">
           <p:sp>
             <p:nvSpPr>
               <p:cNvPr id="6" name="Content Placeholder 2">
@@ -12451,7 +12451,7 @@
             </p:txBody>
           </p:sp>
         </mc:Choice>
-        <mc:Fallback>
+        <mc:Fallback xmlns="">
           <p:sp>
             <p:nvSpPr>
               <p:cNvPr id="6" name="Content Placeholder 2">
@@ -12495,8 +12495,8 @@
           </p:sp>
         </mc:Fallback>
       </mc:AlternateContent>
-      <mc:AlternateContent xmlns:mc="http://schemas.openxmlformats.org/markup-compatibility/2006">
-        <mc:Choice xmlns:a14="http://schemas.microsoft.com/office/drawing/2010/main" Requires="a14">
+      <mc:AlternateContent xmlns:mc="http://schemas.openxmlformats.org/markup-compatibility/2006" xmlns:a14="http://schemas.microsoft.com/office/drawing/2010/main">
+        <mc:Choice Requires="a14">
           <p:sp>
             <p:nvSpPr>
               <p:cNvPr id="3" name="Rounded Rectangle 2">
@@ -12612,7 +12612,7 @@
             </p:txBody>
           </p:sp>
         </mc:Choice>
-        <mc:Fallback>
+        <mc:Fallback xmlns="">
           <p:sp>
             <p:nvSpPr>
               <p:cNvPr id="3" name="Rounded Rectangle 2">
@@ -12709,8 +12709,8 @@
           </a:p>
         </p:txBody>
       </p:sp>
-      <mc:AlternateContent xmlns:mc="http://schemas.openxmlformats.org/markup-compatibility/2006">
-        <mc:Choice xmlns:a14="http://schemas.microsoft.com/office/drawing/2010/main" Requires="a14">
+      <mc:AlternateContent xmlns:mc="http://schemas.openxmlformats.org/markup-compatibility/2006" xmlns:a14="http://schemas.microsoft.com/office/drawing/2010/main">
+        <mc:Choice Requires="a14">
           <p:sp>
             <p:nvSpPr>
               <p:cNvPr id="6" name="Content Placeholder 2">
@@ -13182,7 +13182,7 @@
             </p:txBody>
           </p:sp>
         </mc:Choice>
-        <mc:Fallback>
+        <mc:Fallback xmlns="">
           <p:sp>
             <p:nvSpPr>
               <p:cNvPr id="6" name="Content Placeholder 2">
@@ -13226,8 +13226,8 @@
           </p:sp>
         </mc:Fallback>
       </mc:AlternateContent>
-      <mc:AlternateContent xmlns:mc="http://schemas.openxmlformats.org/markup-compatibility/2006">
-        <mc:Choice xmlns:a14="http://schemas.microsoft.com/office/drawing/2010/main" Requires="a14">
+      <mc:AlternateContent xmlns:mc="http://schemas.openxmlformats.org/markup-compatibility/2006" xmlns:a14="http://schemas.microsoft.com/office/drawing/2010/main">
+        <mc:Choice Requires="a14">
           <p:sp>
             <p:nvSpPr>
               <p:cNvPr id="3" name="Rounded Rectangle 2">
@@ -13370,7 +13370,7 @@
             </p:txBody>
           </p:sp>
         </mc:Choice>
-        <mc:Fallback>
+        <mc:Fallback xmlns="">
           <p:sp>
             <p:nvSpPr>
               <p:cNvPr id="3" name="Rounded Rectangle 2">
@@ -13628,16 +13628,16 @@
                     </a:solidFill>
                     <a:latin typeface="Open Sans" panose="020B0606030504020204" pitchFamily="34" charset="0"/>
                   </a:rPr>
-                  <a:t>proof by contradiction</a:t>
-                </a:r>
-                <a:r>
-                  <a:rPr lang="en-US" sz="2400" dirty="0">
-                    <a:solidFill>
-                      <a:schemeClr val="tx1"/>
-                    </a:solidFill>
-                    <a:latin typeface="Open Sans" panose="020B0606030504020204" pitchFamily="34" charset="0"/>
-                  </a:rPr>
-                  <a:t>:</a:t>
+                  <a:t>proof by contradiction </a:t>
+                </a:r>
+                <a:r>
+                  <a:rPr lang="en-US" sz="2400" dirty="0">
+                    <a:solidFill>
+                      <a:schemeClr val="tx1"/>
+                    </a:solidFill>
+                    <a:latin typeface="Open Sans" panose="020B0606030504020204" pitchFamily="34" charset="0"/>
+                  </a:rPr>
+                  <a:t>on P:</a:t>
                 </a:r>
                 <a:endParaRPr lang="en-US" sz="2200" dirty="0">
                   <a:solidFill>
@@ -14183,8 +14183,8 @@
           </a:p>
         </p:txBody>
       </p:sp>
-      <mc:AlternateContent xmlns:mc="http://schemas.openxmlformats.org/markup-compatibility/2006">
-        <mc:Choice xmlns:a14="http://schemas.microsoft.com/office/drawing/2010/main" Requires="a14">
+      <mc:AlternateContent xmlns:mc="http://schemas.openxmlformats.org/markup-compatibility/2006" xmlns:a14="http://schemas.microsoft.com/office/drawing/2010/main">
+        <mc:Choice Requires="a14">
           <p:sp>
             <p:nvSpPr>
               <p:cNvPr id="6" name="Content Placeholder 2">
@@ -14322,7 +14322,7 @@
             </p:txBody>
           </p:sp>
         </mc:Choice>
-        <mc:Fallback>
+        <mc:Fallback xmlns="">
           <p:sp>
             <p:nvSpPr>
               <p:cNvPr id="6" name="Content Placeholder 2">
@@ -14418,8 +14418,8 @@
           </a:p>
         </p:txBody>
       </p:sp>
-      <mc:AlternateContent xmlns:mc="http://schemas.openxmlformats.org/markup-compatibility/2006">
-        <mc:Choice xmlns:a14="http://schemas.microsoft.com/office/drawing/2010/main" Requires="a14">
+      <mc:AlternateContent xmlns:mc="http://schemas.openxmlformats.org/markup-compatibility/2006" xmlns:a14="http://schemas.microsoft.com/office/drawing/2010/main">
+        <mc:Choice Requires="a14">
           <p:sp>
             <p:nvSpPr>
               <p:cNvPr id="6" name="Content Placeholder 2">
@@ -14787,7 +14787,7 @@
             </p:txBody>
           </p:sp>
         </mc:Choice>
-        <mc:Fallback>
+        <mc:Fallback xmlns="">
           <p:sp>
             <p:nvSpPr>
               <p:cNvPr id="6" name="Content Placeholder 2">
@@ -14883,8 +14883,8 @@
           </a:p>
         </p:txBody>
       </p:sp>
-      <mc:AlternateContent xmlns:mc="http://schemas.openxmlformats.org/markup-compatibility/2006">
-        <mc:Choice xmlns:a14="http://schemas.microsoft.com/office/drawing/2010/main" Requires="a14">
+      <mc:AlternateContent xmlns:mc="http://schemas.openxmlformats.org/markup-compatibility/2006" xmlns:a14="http://schemas.microsoft.com/office/drawing/2010/main">
+        <mc:Choice Requires="a14">
           <p:sp>
             <p:nvSpPr>
               <p:cNvPr id="6" name="Content Placeholder 2">
@@ -15339,7 +15339,7 @@
             </p:txBody>
           </p:sp>
         </mc:Choice>
-        <mc:Fallback>
+        <mc:Fallback xmlns="">
           <p:sp>
             <p:nvSpPr>
               <p:cNvPr id="6" name="Content Placeholder 2">
@@ -15435,8 +15435,8 @@
           </a:p>
         </p:txBody>
       </p:sp>
-      <mc:AlternateContent xmlns:mc="http://schemas.openxmlformats.org/markup-compatibility/2006">
-        <mc:Choice xmlns:a14="http://schemas.microsoft.com/office/drawing/2010/main" Requires="a14">
+      <mc:AlternateContent xmlns:mc="http://schemas.openxmlformats.org/markup-compatibility/2006" xmlns:a14="http://schemas.microsoft.com/office/drawing/2010/main">
+        <mc:Choice Requires="a14">
           <p:sp>
             <p:nvSpPr>
               <p:cNvPr id="6" name="Content Placeholder 2">
@@ -15709,7 +15709,7 @@
             </p:txBody>
           </p:sp>
         </mc:Choice>
-        <mc:Fallback>
+        <mc:Fallback xmlns="">
           <p:sp>
             <p:nvSpPr>
               <p:cNvPr id="6" name="Content Placeholder 2">
